--- a/courses/ese6050-spring2024/lecture-slides/logistics.pptx
+++ b/courses/ese6050-spring2024/lecture-slides/logistics.pptx
@@ -218,7 +218,7 @@
           <a:p>
             <a:fld id="{344B7452-CBCE-544C-82C0-61A81034B8D9}" type="datetimeFigureOut">
               <a:rPr lang="en-US" smtClean="0"/>
-              <a:t>1/15/24</a:t>
+              <a:t>1/18/24</a:t>
             </a:fld>
             <a:endParaRPr lang="en-US"/>
           </a:p>
@@ -384,7 +384,7 @@
           <a:p>
             <a:fld id="{AE2B2B26-92A0-7541-B16F-52F5B57C465F}" type="datetimeFigureOut">
               <a:rPr lang="en-US" smtClean="0"/>
-              <a:t>1/15/24</a:t>
+              <a:t>1/18/24</a:t>
             </a:fld>
             <a:endParaRPr lang="en-US"/>
           </a:p>
@@ -1083,7 +1083,7 @@
           <a:p>
             <a:fld id="{7A455EB6-B941-5146-9952-DE44460C1C67}" type="datetime1">
               <a:rPr lang="en-US" smtClean="0"/>
-              <a:t>1/15/24</a:t>
+              <a:t>1/18/24</a:t>
             </a:fld>
             <a:endParaRPr lang="en-US"/>
           </a:p>
@@ -1251,7 +1251,7 @@
           <a:p>
             <a:fld id="{53882CAB-4B72-8D4D-85F5-0CF3179D56D1}" type="datetime1">
               <a:rPr lang="en-US" smtClean="0"/>
-              <a:t>1/15/24</a:t>
+              <a:t>1/18/24</a:t>
             </a:fld>
             <a:endParaRPr lang="en-US"/>
           </a:p>
@@ -1429,7 +1429,7 @@
           <a:p>
             <a:fld id="{8C818920-949E-B948-ABEB-042404D19519}" type="datetime1">
               <a:rPr lang="en-US" smtClean="0"/>
-              <a:t>1/15/24</a:t>
+              <a:t>1/18/24</a:t>
             </a:fld>
             <a:endParaRPr lang="en-US"/>
           </a:p>
@@ -1597,7 +1597,7 @@
           <a:p>
             <a:fld id="{6B553EA3-B833-5F45-A6C4-754918BD43F4}" type="datetime1">
               <a:rPr lang="en-US" smtClean="0"/>
-              <a:t>1/15/24</a:t>
+              <a:t>1/18/24</a:t>
             </a:fld>
             <a:endParaRPr lang="en-US"/>
           </a:p>
@@ -1842,7 +1842,7 @@
           <a:p>
             <a:fld id="{177919A0-3E44-0548-BA9C-C1DA0DE76F12}" type="datetime1">
               <a:rPr lang="en-US" smtClean="0"/>
-              <a:t>1/15/24</a:t>
+              <a:t>1/18/24</a:t>
             </a:fld>
             <a:endParaRPr lang="en-US"/>
           </a:p>
@@ -2127,7 +2127,7 @@
           <a:p>
             <a:fld id="{EF2B5C21-338A-E04E-AF9D-55B1D5896A2D}" type="datetime1">
               <a:rPr lang="en-US" smtClean="0"/>
-              <a:t>1/15/24</a:t>
+              <a:t>1/18/24</a:t>
             </a:fld>
             <a:endParaRPr lang="en-US"/>
           </a:p>
@@ -2546,7 +2546,7 @@
           <a:p>
             <a:fld id="{6C1BD589-BA7F-F345-8847-B5AAE90B0CE1}" type="datetime1">
               <a:rPr lang="en-US" smtClean="0"/>
-              <a:t>1/15/24</a:t>
+              <a:t>1/18/24</a:t>
             </a:fld>
             <a:endParaRPr lang="en-US"/>
           </a:p>
@@ -2663,7 +2663,7 @@
           <a:p>
             <a:fld id="{7D26E315-97B5-ED48-A6E2-C8DD9A15D910}" type="datetime1">
               <a:rPr lang="en-US" smtClean="0"/>
-              <a:t>1/15/24</a:t>
+              <a:t>1/18/24</a:t>
             </a:fld>
             <a:endParaRPr lang="en-US"/>
           </a:p>
@@ -2758,7 +2758,7 @@
           <a:p>
             <a:fld id="{D75A9AD7-57B8-0C4A-8A03-28346052B0A0}" type="datetime1">
               <a:rPr lang="en-US" smtClean="0"/>
-              <a:t>1/15/24</a:t>
+              <a:t>1/18/24</a:t>
             </a:fld>
             <a:endParaRPr lang="en-US"/>
           </a:p>
@@ -3033,7 +3033,7 @@
           <a:p>
             <a:fld id="{21EEB905-CF7D-1745-9BAA-4C16AF2CEAF4}" type="datetime1">
               <a:rPr lang="en-US" smtClean="0"/>
-              <a:t>1/15/24</a:t>
+              <a:t>1/18/24</a:t>
             </a:fld>
             <a:endParaRPr lang="en-US"/>
           </a:p>
@@ -3285,7 +3285,7 @@
           <a:p>
             <a:fld id="{89AE0F5B-B811-174D-9EB6-CE24A856A7A0}" type="datetime1">
               <a:rPr lang="en-US" smtClean="0"/>
-              <a:t>1/15/24</a:t>
+              <a:t>1/18/24</a:t>
             </a:fld>
             <a:endParaRPr lang="en-US"/>
           </a:p>
@@ -3496,7 +3496,7 @@
           <a:p>
             <a:fld id="{C3A6EF79-F1A3-AF4A-9DED-9EDE600DAF86}" type="datetime1">
               <a:rPr lang="en-US" smtClean="0"/>
-              <a:t>1/15/24</a:t>
+              <a:t>1/18/24</a:t>
             </a:fld>
             <a:endParaRPr lang="en-US"/>
           </a:p>
@@ -6204,7 +6204,11 @@
             </a:r>
             <a:r>
               <a:rPr lang="en-US" sz="1600" dirty="0"/>
-              <a:t>Tu/Th 3:30-5:00pm in LRM and on Zoom (check Canvas for link/passcode)</a:t>
+              <a:t>Tu/Th 3:30-5:00pm in </a:t>
+            </a:r>
+            <a:r>
+              <a:rPr lang="en-US" sz="1600"/>
+              <a:t>LRSM Auditorium</a:t>
             </a:r>
           </a:p>
           <a:p>
